--- a/NTU-3MT/3MT_PowerPoint_CEE_CUI_SHUAIWEN.pptx
+++ b/NTU-3MT/3MT_PowerPoint_CEE_CUI_SHUAIWEN.pptx
@@ -144,7 +144,7 @@
 <file path=ppt/revisionInfo.xml><?xml version="1.0" encoding="utf-8"?>
 <p1510:revInfo xmlns:a="http://schemas.openxmlformats.org/drawingml/2006/main" xmlns:r="http://schemas.openxmlformats.org/officeDocument/2006/relationships" xmlns:p1510="http://schemas.microsoft.com/office/powerpoint/2015/10/main">
   <p1510:revLst>
-    <p1510:client id="{B211C9B5-261B-4942-BA9A-09F683ABF9B5}" v="126" dt="2025-05-28T10:24:37.044"/>
+    <p1510:client id="{B211C9B5-261B-4942-BA9A-09F683ABF9B5}" v="132" dt="2025-05-28T13:41:06.688"/>
   </p1510:revLst>
 </p1510:revInfo>
 </file>
@@ -154,7 +154,7 @@
   <pc:docChgLst>
     <pc:chgData name="#CUI SHUAIWEN#" userId="35a196ea-bcb8-475e-86cf-0b9eaca8a48f" providerId="ADAL" clId="{B211C9B5-261B-4942-BA9A-09F683ABF9B5}"/>
     <pc:docChg chg="undo custSel addSld delSld modSld modSection">
-      <pc:chgData name="#CUI SHUAIWEN#" userId="35a196ea-bcb8-475e-86cf-0b9eaca8a48f" providerId="ADAL" clId="{B211C9B5-261B-4942-BA9A-09F683ABF9B5}" dt="2025-05-28T10:25:07.499" v="2170" actId="1582"/>
+      <pc:chgData name="#CUI SHUAIWEN#" userId="35a196ea-bcb8-475e-86cf-0b9eaca8a48f" providerId="ADAL" clId="{B211C9B5-261B-4942-BA9A-09F683ABF9B5}" dt="2025-05-28T14:37:23.831" v="2244"/>
       <pc:docMkLst>
         <pc:docMk/>
       </pc:docMkLst>
@@ -424,8 +424,8 @@
           </ac:picMkLst>
         </pc:picChg>
       </pc:sldChg>
-      <pc:sldChg chg="addSp delSp modSp add mod">
-        <pc:chgData name="#CUI SHUAIWEN#" userId="35a196ea-bcb8-475e-86cf-0b9eaca8a48f" providerId="ADAL" clId="{B211C9B5-261B-4942-BA9A-09F683ABF9B5}" dt="2025-05-28T10:25:07.499" v="2170" actId="1582"/>
+      <pc:sldChg chg="addSp delSp modSp add mod modNotesTx">
+        <pc:chgData name="#CUI SHUAIWEN#" userId="35a196ea-bcb8-475e-86cf-0b9eaca8a48f" providerId="ADAL" clId="{B211C9B5-261B-4942-BA9A-09F683ABF9B5}" dt="2025-05-28T14:37:23.831" v="2244"/>
         <pc:sldMkLst>
           <pc:docMk/>
           <pc:sldMk cId="1279713471" sldId="262"/>
@@ -436,6 +436,14 @@
             <pc:docMk/>
             <pc:sldMk cId="1279713471" sldId="262"/>
             <ac:spMk id="2" creationId="{4749A27E-1C50-8550-57DE-3CA806314BDE}"/>
+          </ac:spMkLst>
+        </pc:spChg>
+        <pc:spChg chg="add mod">
+          <ac:chgData name="#CUI SHUAIWEN#" userId="35a196ea-bcb8-475e-86cf-0b9eaca8a48f" providerId="ADAL" clId="{B211C9B5-261B-4942-BA9A-09F683ABF9B5}" dt="2025-05-28T13:41:06.681" v="2238" actId="164"/>
+          <ac:spMkLst>
+            <pc:docMk/>
+            <pc:sldMk cId="1279713471" sldId="262"/>
+            <ac:spMk id="4" creationId="{1A42090B-2A5F-7A51-5C1E-B9C77E4163BD}"/>
           </ac:spMkLst>
         </pc:spChg>
         <pc:spChg chg="add del mod">
@@ -495,7 +503,7 @@
           </ac:spMkLst>
         </pc:spChg>
         <pc:spChg chg="add mod">
-          <ac:chgData name="#CUI SHUAIWEN#" userId="35a196ea-bcb8-475e-86cf-0b9eaca8a48f" providerId="ADAL" clId="{B211C9B5-261B-4942-BA9A-09F683ABF9B5}" dt="2025-05-28T10:20:00.953" v="2118" actId="1076"/>
+          <ac:chgData name="#CUI SHUAIWEN#" userId="35a196ea-bcb8-475e-86cf-0b9eaca8a48f" providerId="ADAL" clId="{B211C9B5-261B-4942-BA9A-09F683ABF9B5}" dt="2025-05-28T13:41:10.205" v="2239" actId="14100"/>
           <ac:spMkLst>
             <pc:docMk/>
             <pc:sldMk cId="1279713471" sldId="262"/>
@@ -727,7 +735,7 @@
           </ac:spMkLst>
         </pc:spChg>
         <pc:spChg chg="add mod topLvl">
-          <ac:chgData name="#CUI SHUAIWEN#" userId="35a196ea-bcb8-475e-86cf-0b9eaca8a48f" providerId="ADAL" clId="{B211C9B5-261B-4942-BA9A-09F683ABF9B5}" dt="2025-05-28T10:21:43.542" v="2142" actId="1076"/>
+          <ac:chgData name="#CUI SHUAIWEN#" userId="35a196ea-bcb8-475e-86cf-0b9eaca8a48f" providerId="ADAL" clId="{B211C9B5-261B-4942-BA9A-09F683ABF9B5}" dt="2025-05-28T13:41:06.681" v="2238" actId="164"/>
           <ac:spMkLst>
             <pc:docMk/>
             <pc:sldMk cId="1279713471" sldId="262"/>
@@ -815,7 +823,7 @@
           </ac:spMkLst>
         </pc:spChg>
         <pc:spChg chg="add mod topLvl">
-          <ac:chgData name="#CUI SHUAIWEN#" userId="35a196ea-bcb8-475e-86cf-0b9eaca8a48f" providerId="ADAL" clId="{B211C9B5-261B-4942-BA9A-09F683ABF9B5}" dt="2025-05-28T10:21:35.930" v="2139" actId="1076"/>
+          <ac:chgData name="#CUI SHUAIWEN#" userId="35a196ea-bcb8-475e-86cf-0b9eaca8a48f" providerId="ADAL" clId="{B211C9B5-261B-4942-BA9A-09F683ABF9B5}" dt="2025-05-28T13:41:06.681" v="2238" actId="164"/>
           <ac:spMkLst>
             <pc:docMk/>
             <pc:sldMk cId="1279713471" sldId="262"/>
@@ -823,7 +831,7 @@
           </ac:spMkLst>
         </pc:spChg>
         <pc:spChg chg="add mod topLvl">
-          <ac:chgData name="#CUI SHUAIWEN#" userId="35a196ea-bcb8-475e-86cf-0b9eaca8a48f" providerId="ADAL" clId="{B211C9B5-261B-4942-BA9A-09F683ABF9B5}" dt="2025-05-28T10:21:35.930" v="2139" actId="1076"/>
+          <ac:chgData name="#CUI SHUAIWEN#" userId="35a196ea-bcb8-475e-86cf-0b9eaca8a48f" providerId="ADAL" clId="{B211C9B5-261B-4942-BA9A-09F683ABF9B5}" dt="2025-05-28T13:41:06.681" v="2238" actId="164"/>
           <ac:spMkLst>
             <pc:docMk/>
             <pc:sldMk cId="1279713471" sldId="262"/>
@@ -831,7 +839,7 @@
           </ac:spMkLst>
         </pc:spChg>
         <pc:spChg chg="add mod topLvl">
-          <ac:chgData name="#CUI SHUAIWEN#" userId="35a196ea-bcb8-475e-86cf-0b9eaca8a48f" providerId="ADAL" clId="{B211C9B5-261B-4942-BA9A-09F683ABF9B5}" dt="2025-05-28T10:21:35.930" v="2139" actId="1076"/>
+          <ac:chgData name="#CUI SHUAIWEN#" userId="35a196ea-bcb8-475e-86cf-0b9eaca8a48f" providerId="ADAL" clId="{B211C9B5-261B-4942-BA9A-09F683ABF9B5}" dt="2025-05-28T13:41:06.681" v="2238" actId="164"/>
           <ac:spMkLst>
             <pc:docMk/>
             <pc:sldMk cId="1279713471" sldId="262"/>
@@ -902,8 +910,8 @@
             <ac:spMk id="160" creationId="{7B59B744-DCA8-E026-7D68-DD909FBA0A97}"/>
           </ac:spMkLst>
         </pc:spChg>
-        <pc:spChg chg="add mod ord">
-          <ac:chgData name="#CUI SHUAIWEN#" userId="35a196ea-bcb8-475e-86cf-0b9eaca8a48f" providerId="ADAL" clId="{B211C9B5-261B-4942-BA9A-09F683ABF9B5}" dt="2025-05-28T10:25:07.499" v="2170" actId="1582"/>
+        <pc:spChg chg="add mod ord topLvl">
+          <ac:chgData name="#CUI SHUAIWEN#" userId="35a196ea-bcb8-475e-86cf-0b9eaca8a48f" providerId="ADAL" clId="{B211C9B5-261B-4942-BA9A-09F683ABF9B5}" dt="2025-05-28T13:41:06.681" v="2238" actId="164"/>
           <ac:spMkLst>
             <pc:docMk/>
             <pc:sldMk cId="1279713471" sldId="262"/>
@@ -1030,8 +1038,8 @@
             <ac:grpSpMk id="164" creationId="{495E044D-39F6-4CF2-63D7-F2C53CEB8306}"/>
           </ac:grpSpMkLst>
         </pc:grpChg>
-        <pc:grpChg chg="add mod">
-          <ac:chgData name="#CUI SHUAIWEN#" userId="35a196ea-bcb8-475e-86cf-0b9eaca8a48f" providerId="ADAL" clId="{B211C9B5-261B-4942-BA9A-09F683ABF9B5}" dt="2025-05-28T10:22:15.333" v="2146" actId="1076"/>
+        <pc:grpChg chg="add del mod">
+          <ac:chgData name="#CUI SHUAIWEN#" userId="35a196ea-bcb8-475e-86cf-0b9eaca8a48f" providerId="ADAL" clId="{B211C9B5-261B-4942-BA9A-09F683ABF9B5}" dt="2025-05-28T13:39:56.491" v="2208" actId="165"/>
           <ac:grpSpMkLst>
             <pc:docMk/>
             <pc:sldMk cId="1279713471" sldId="262"/>
@@ -1046,6 +1054,14 @@
             <ac:grpSpMk id="166" creationId="{503A9D75-3D6A-C9E1-28F0-D062325A3219}"/>
           </ac:grpSpMkLst>
         </pc:grpChg>
+        <pc:picChg chg="add mod">
+          <ac:chgData name="#CUI SHUAIWEN#" userId="35a196ea-bcb8-475e-86cf-0b9eaca8a48f" providerId="ADAL" clId="{B211C9B5-261B-4942-BA9A-09F683ABF9B5}" dt="2025-05-28T13:41:06.681" v="2238" actId="164"/>
+          <ac:picMkLst>
+            <pc:docMk/>
+            <pc:sldMk cId="1279713471" sldId="262"/>
+            <ac:picMk id="3" creationId="{EC0CBAFE-7DB4-905F-7E01-1BF236C9D980}"/>
+          </ac:picMkLst>
+        </pc:picChg>
         <pc:picChg chg="add mod">
           <ac:chgData name="#CUI SHUAIWEN#" userId="35a196ea-bcb8-475e-86cf-0b9eaca8a48f" providerId="ADAL" clId="{B211C9B5-261B-4942-BA9A-09F683ABF9B5}" dt="2025-05-28T10:19:36.355" v="2112" actId="1076"/>
           <ac:picMkLst>
@@ -1399,7 +1415,7 @@
           </ac:picMkLst>
         </pc:picChg>
         <pc:picChg chg="add mod topLvl">
-          <ac:chgData name="#CUI SHUAIWEN#" userId="35a196ea-bcb8-475e-86cf-0b9eaca8a48f" providerId="ADAL" clId="{B211C9B5-261B-4942-BA9A-09F683ABF9B5}" dt="2025-05-28T10:18:58.311" v="2104" actId="164"/>
+          <ac:chgData name="#CUI SHUAIWEN#" userId="35a196ea-bcb8-475e-86cf-0b9eaca8a48f" providerId="ADAL" clId="{B211C9B5-261B-4942-BA9A-09F683ABF9B5}" dt="2025-05-28T13:39:56.491" v="2208" actId="165"/>
           <ac:picMkLst>
             <pc:docMk/>
             <pc:sldMk cId="1279713471" sldId="262"/>
@@ -1479,7 +1495,7 @@
           </ac:picMkLst>
         </pc:picChg>
         <pc:picChg chg="add mod topLvl">
-          <ac:chgData name="#CUI SHUAIWEN#" userId="35a196ea-bcb8-475e-86cf-0b9eaca8a48f" providerId="ADAL" clId="{B211C9B5-261B-4942-BA9A-09F683ABF9B5}" dt="2025-05-28T10:18:58.311" v="2104" actId="164"/>
+          <ac:chgData name="#CUI SHUAIWEN#" userId="35a196ea-bcb8-475e-86cf-0b9eaca8a48f" providerId="ADAL" clId="{B211C9B5-261B-4942-BA9A-09F683ABF9B5}" dt="2025-05-28T13:41:06.681" v="2238" actId="164"/>
           <ac:picMkLst>
             <pc:docMk/>
             <pc:sldMk cId="1279713471" sldId="262"/>
@@ -1487,7 +1503,7 @@
           </ac:picMkLst>
         </pc:picChg>
         <pc:picChg chg="add mod topLvl">
-          <ac:chgData name="#CUI SHUAIWEN#" userId="35a196ea-bcb8-475e-86cf-0b9eaca8a48f" providerId="ADAL" clId="{B211C9B5-261B-4942-BA9A-09F683ABF9B5}" dt="2025-05-28T10:18:58.311" v="2104" actId="164"/>
+          <ac:chgData name="#CUI SHUAIWEN#" userId="35a196ea-bcb8-475e-86cf-0b9eaca8a48f" providerId="ADAL" clId="{B211C9B5-261B-4942-BA9A-09F683ABF9B5}" dt="2025-05-28T13:41:06.681" v="2238" actId="164"/>
           <ac:picMkLst>
             <pc:docMk/>
             <pc:sldMk cId="1279713471" sldId="262"/>
@@ -1495,7 +1511,7 @@
           </ac:picMkLst>
         </pc:picChg>
         <pc:picChg chg="add mod topLvl">
-          <ac:chgData name="#CUI SHUAIWEN#" userId="35a196ea-bcb8-475e-86cf-0b9eaca8a48f" providerId="ADAL" clId="{B211C9B5-261B-4942-BA9A-09F683ABF9B5}" dt="2025-05-28T10:18:58.311" v="2104" actId="164"/>
+          <ac:chgData name="#CUI SHUAIWEN#" userId="35a196ea-bcb8-475e-86cf-0b9eaca8a48f" providerId="ADAL" clId="{B211C9B5-261B-4942-BA9A-09F683ABF9B5}" dt="2025-05-28T13:41:06.681" v="2238" actId="164"/>
           <ac:picMkLst>
             <pc:docMk/>
             <pc:sldMk cId="1279713471" sldId="262"/>
@@ -2192,6 +2208,171 @@
     </a:lvl9pPr>
   </p:notesStyle>
 </p:notesMaster>
+</file>
+
+<file path=ppt/notesSlides/notesSlide1.xml><?xml version="1.0" encoding="utf-8"?>
+<p:notes xmlns:a="http://schemas.openxmlformats.org/drawingml/2006/main" xmlns:r="http://schemas.openxmlformats.org/officeDocument/2006/relationships" xmlns:p="http://schemas.openxmlformats.org/presentationml/2006/main">
+  <p:cSld>
+    <p:spTree>
+      <p:nvGrpSpPr>
+        <p:cNvPr id="1" name=""/>
+        <p:cNvGrpSpPr/>
+        <p:nvPr/>
+      </p:nvGrpSpPr>
+      <p:grpSpPr>
+        <a:xfrm>
+          <a:off x="0" y="0"/>
+          <a:ext cx="0" cy="0"/>
+          <a:chOff x="0" y="0"/>
+          <a:chExt cx="0" cy="0"/>
+        </a:xfrm>
+      </p:grpSpPr>
+      <p:sp>
+        <p:nvSpPr>
+          <p:cNvPr id="2" name="Slide Image Placeholder 1"/>
+          <p:cNvSpPr>
+            <a:spLocks noGrp="1" noRot="1" noChangeAspect="1"/>
+          </p:cNvSpPr>
+          <p:nvPr>
+            <p:ph type="sldImg"/>
+          </p:nvPr>
+        </p:nvSpPr>
+        <p:spPr/>
+      </p:sp>
+      <p:sp>
+        <p:nvSpPr>
+          <p:cNvPr id="3" name="Notes Placeholder 2"/>
+          <p:cNvSpPr>
+            <a:spLocks noGrp="1"/>
+          </p:cNvSpPr>
+          <p:nvPr>
+            <p:ph type="body" idx="1"/>
+          </p:nvPr>
+        </p:nvSpPr>
+        <p:spPr/>
+        <p:txBody>
+          <a:bodyPr/>
+          <a:lstStyle/>
+          <a:p>
+            <a:pPr>
+              <a:lnSpc>
+                <a:spcPts val="1200"/>
+              </a:lnSpc>
+              <a:buNone/>
+            </a:pPr>
+            <a:r>
+              <a:rPr lang="en-US" b="0" dirty="0">
+                <a:solidFill>
+                  <a:srgbClr val="CCCCCC"/>
+                </a:solidFill>
+                <a:effectLst/>
+                <a:latin typeface="Consolas" panose="020B0609020204030204" pitchFamily="49" charset="0"/>
+              </a:rPr>
+              <a:t>It’s still fresh in our minds that last year, the MRT East-West Line went down for a couple of days, causing great inconvenience and showing exactly why we need to monitor the infrastructures.</a:t>
+            </a:r>
+          </a:p>
+          <a:p>
+            <a:pPr>
+              <a:lnSpc>
+                <a:spcPts val="1200"/>
+              </a:lnSpc>
+              <a:buNone/>
+            </a:pPr>
+            <a:br>
+              <a:rPr lang="en-US" b="0" dirty="0">
+                <a:solidFill>
+                  <a:srgbClr val="CCCCCC"/>
+                </a:solidFill>
+                <a:effectLst/>
+                <a:latin typeface="Consolas" panose="020B0609020204030204" pitchFamily="49" charset="0"/>
+              </a:rPr>
+            </a:br>
+            <a:r>
+              <a:rPr lang="en-US" b="0" dirty="0">
+                <a:solidFill>
+                  <a:srgbClr val="CCCCCC"/>
+                </a:solidFill>
+                <a:effectLst/>
+                <a:latin typeface="Consolas" panose="020B0609020204030204" pitchFamily="49" charset="0"/>
+              </a:rPr>
+              <a:t>Nowadays, it is quite common to use the Internet of Things Technology (aka IoT) to monitor infrastructures. As shown here, typically, there are several sensors for raw data collection, a gateway node for data transmission, and a remote cloud server for computation and storage. Conventionally, the data is computed at the remote server, but this centralized computing paradigm suffers from high latency and high power consumption due to the long distance between the sensors and the cloud server. So nowadays, we are shifting the computation from the cloud back to the edge, standing for a distributed computing paradigm. As we migrating from the centralized computing to the distributed computing, we can harness the advantages of low power consumption and low latency. However, there is no free lunch, and the trade-off is the limited onboard computing resources at the edge.</a:t>
+            </a:r>
+          </a:p>
+          <a:p>
+            <a:pPr>
+              <a:lnSpc>
+                <a:spcPts val="1200"/>
+              </a:lnSpc>
+            </a:pPr>
+            <a:br>
+              <a:rPr lang="en-US" b="0" dirty="0">
+                <a:solidFill>
+                  <a:srgbClr val="CCCCCC"/>
+                </a:solidFill>
+                <a:effectLst/>
+                <a:latin typeface="Consolas" panose="020B0609020204030204" pitchFamily="49" charset="0"/>
+              </a:rPr>
+            </a:br>
+            <a:r>
+              <a:rPr lang="en-US" b="0" dirty="0">
+                <a:solidFill>
+                  <a:srgbClr val="CCCCCC"/>
+                </a:solidFill>
+                <a:effectLst/>
+                <a:latin typeface="Consolas" panose="020B0609020204030204" pitchFamily="49" charset="0"/>
+              </a:rPr>
+              <a:t>My research is to accelerate this paradigm shifting by developing a distributed intelligence enabling framework for IoT-based structural health monitoring. To facilitate the development, we first prototyped an IoT sensor. The sensor hardware features a main control and four subsystems. To drive the sensor, we have further developed a software stack with four layers. Both the sensor hardware and software are to facilitate the development of the distributed intelligence enabling framework, which is embodied as a library residing in the middleware layer. The foundation of this frame is a series of lightweight mathematical, signal processing, and AI algorithms that can be used for typical structural health monitoring tasks. </a:t>
+            </a:r>
+            <a:r>
+              <a:rPr lang="en-US" b="0">
+                <a:solidFill>
+                  <a:srgbClr val="CCCCCC"/>
+                </a:solidFill>
+                <a:effectLst/>
+                <a:latin typeface="Consolas" panose="020B0609020204030204" pitchFamily="49" charset="0"/>
+              </a:rPr>
+              <a:t>Till today, we have successfully used this solution for several use cases, including acceleration live streaming, data anomaly detection, and sudden damage alarming, and all show good performance and great potential.  </a:t>
+            </a:r>
+          </a:p>
+          <a:p>
+            <a:endParaRPr lang="en-US" dirty="0"/>
+          </a:p>
+        </p:txBody>
+      </p:sp>
+      <p:sp>
+        <p:nvSpPr>
+          <p:cNvPr id="4" name="Slide Number Placeholder 3"/>
+          <p:cNvSpPr>
+            <a:spLocks noGrp="1"/>
+          </p:cNvSpPr>
+          <p:nvPr>
+            <p:ph type="sldNum" sz="quarter" idx="5"/>
+          </p:nvPr>
+        </p:nvSpPr>
+        <p:spPr/>
+        <p:txBody>
+          <a:bodyPr/>
+          <a:lstStyle/>
+          <a:p>
+            <a:fld id="{0EF05BAA-92F6-4DEA-A832-E4B15A2F525C}" type="slidenum">
+              <a:rPr lang="en-AU" smtClean="0"/>
+              <a:t>1</a:t>
+            </a:fld>
+            <a:endParaRPr lang="en-AU"/>
+          </a:p>
+        </p:txBody>
+      </p:sp>
+    </p:spTree>
+    <p:extLst>
+      <p:ext uri="{BB962C8B-B14F-4D97-AF65-F5344CB8AC3E}">
+        <p14:creationId xmlns:p14="http://schemas.microsoft.com/office/powerpoint/2010/main" val="56311846"/>
+      </p:ext>
+    </p:extLst>
+  </p:cSld>
+  <p:clrMapOvr>
+    <a:masterClrMapping/>
+  </p:clrMapOvr>
+</p:notes>
 </file>
 
 <file path=ppt/slideLayouts/slideLayout1.xml><?xml version="1.0" encoding="utf-8"?>
@@ -18818,7 +18999,7 @@
           <p:nvPr/>
         </p:nvPicPr>
         <p:blipFill>
-          <a:blip r:embed="rId2">
+          <a:blip r:embed="rId3">
             <a:extLst>
               <a:ext uri="{28A0092B-C50C-407E-A947-70E740481C1C}">
                 <a14:useLocalDpi xmlns:a14="http://schemas.microsoft.com/office/drawing/2010/main" val="0"/>
@@ -18854,7 +19035,7 @@
           <p:nvPr/>
         </p:nvPicPr>
         <p:blipFill>
-          <a:blip r:embed="rId3">
+          <a:blip r:embed="rId4">
             <a:extLst>
               <a:ext uri="{28A0092B-C50C-407E-A947-70E740481C1C}">
                 <a14:useLocalDpi xmlns:a14="http://schemas.microsoft.com/office/drawing/2010/main" val="0"/>
@@ -18961,7 +19142,7 @@
         <p:spPr>
           <a:xfrm>
             <a:off x="567790" y="3413996"/>
-            <a:ext cx="9488649" cy="469056"/>
+            <a:ext cx="8109771" cy="469056"/>
           </a:xfrm>
           <a:prstGeom prst="rect">
             <a:avLst/>
@@ -19002,15 +19183,7 @@
             </a:r>
             <a:r>
               <a:rPr lang="en-US" altLang="zh-CN" sz="2000" dirty="0"/>
-              <a:t>o Accelerate the Shifting: </a:t>
-            </a:r>
-            <a:r>
-              <a:rPr lang="en-US" sz="2000" dirty="0"/>
-              <a:t>S</a:t>
-            </a:r>
-            <a:r>
-              <a:rPr lang="en-US" altLang="zh-CN" sz="2000" dirty="0"/>
-              <a:t>ensor Prototyping and Framework Development </a:t>
+              <a:t>o Accelerate the Shifting: Distributed Intelligence Framework</a:t>
             </a:r>
             <a:endParaRPr lang="en-AU" sz="2000" dirty="0"/>
           </a:p>
@@ -19031,7 +19204,7 @@
           <p:nvPr/>
         </p:nvPicPr>
         <p:blipFill>
-          <a:blip r:embed="rId4">
+          <a:blip r:embed="rId5">
             <a:extLst>
               <a:ext uri="{28A0092B-C50C-407E-A947-70E740481C1C}">
                 <a14:useLocalDpi xmlns:a14="http://schemas.microsoft.com/office/drawing/2010/main" val="0"/>
@@ -19067,7 +19240,7 @@
           <p:nvPr/>
         </p:nvPicPr>
         <p:blipFill>
-          <a:blip r:embed="rId5">
+          <a:blip r:embed="rId6">
             <a:extLst>
               <a:ext uri="{28A0092B-C50C-407E-A947-70E740481C1C}">
                 <a14:useLocalDpi xmlns:a14="http://schemas.microsoft.com/office/drawing/2010/main" val="0"/>
@@ -19103,7 +19276,7 @@
           <p:nvPr/>
         </p:nvPicPr>
         <p:blipFill>
-          <a:blip r:embed="rId6">
+          <a:blip r:embed="rId7">
             <a:extLst>
               <a:ext uri="{28A0092B-C50C-407E-A947-70E740481C1C}">
                 <a14:useLocalDpi xmlns:a14="http://schemas.microsoft.com/office/drawing/2010/main" val="0"/>
@@ -19468,7 +19641,7 @@
             <p:nvPr/>
           </p:nvPicPr>
           <p:blipFill>
-            <a:blip r:embed="rId4">
+            <a:blip r:embed="rId5">
               <a:extLst>
                 <a:ext uri="{28A0092B-C50C-407E-A947-70E740481C1C}">
                   <a14:useLocalDpi xmlns:a14="http://schemas.microsoft.com/office/drawing/2010/main" val="0"/>
@@ -19504,7 +19677,7 @@
             <p:nvPr/>
           </p:nvPicPr>
           <p:blipFill>
-            <a:blip r:embed="rId6">
+            <a:blip r:embed="rId7">
               <a:extLst>
                 <a:ext uri="{28A0092B-C50C-407E-A947-70E740481C1C}">
                   <a14:useLocalDpi xmlns:a14="http://schemas.microsoft.com/office/drawing/2010/main" val="0"/>
@@ -19728,7 +19901,7 @@
             <p:nvPr/>
           </p:nvPicPr>
           <p:blipFill>
-            <a:blip r:embed="rId7">
+            <a:blip r:embed="rId8">
               <a:duotone>
                 <a:schemeClr val="accent2">
                   <a:shade val="45000"/>
@@ -19856,7 +20029,7 @@
             <p:nvPr/>
           </p:nvPicPr>
           <p:blipFill>
-            <a:blip r:embed="rId8">
+            <a:blip r:embed="rId9">
               <a:extLst>
                 <a:ext uri="{28A0092B-C50C-407E-A947-70E740481C1C}">
                   <a14:useLocalDpi xmlns:a14="http://schemas.microsoft.com/office/drawing/2010/main" val="0"/>
@@ -19892,7 +20065,7 @@
             <p:nvPr/>
           </p:nvPicPr>
           <p:blipFill>
-            <a:blip r:embed="rId9">
+            <a:blip r:embed="rId10">
               <a:extLst>
                 <a:ext uri="{28A0092B-C50C-407E-A947-70E740481C1C}">
                   <a14:useLocalDpi xmlns:a14="http://schemas.microsoft.com/office/drawing/2010/main" val="0"/>
@@ -20112,7 +20285,7 @@
             <p:nvPr/>
           </p:nvPicPr>
           <p:blipFill>
-            <a:blip r:embed="rId10">
+            <a:blip r:embed="rId11">
               <a:extLst>
                 <a:ext uri="{28A0092B-C50C-407E-A947-70E740481C1C}">
                   <a14:useLocalDpi xmlns:a14="http://schemas.microsoft.com/office/drawing/2010/main" val="0"/>
@@ -20148,7 +20321,7 @@
             <p:nvPr/>
           </p:nvPicPr>
           <p:blipFill>
-            <a:blip r:embed="rId11">
+            <a:blip r:embed="rId12">
               <a:extLst>
                 <a:ext uri="{28A0092B-C50C-407E-A947-70E740481C1C}">
                   <a14:useLocalDpi xmlns:a14="http://schemas.microsoft.com/office/drawing/2010/main" val="0"/>
@@ -20368,7 +20541,7 @@
             <p:nvPr/>
           </p:nvPicPr>
           <p:blipFill>
-            <a:blip r:embed="rId12">
+            <a:blip r:embed="rId13">
               <a:extLst>
                 <a:ext uri="{28A0092B-C50C-407E-A947-70E740481C1C}">
                   <a14:useLocalDpi xmlns:a14="http://schemas.microsoft.com/office/drawing/2010/main" val="0"/>
@@ -20404,7 +20577,7 @@
             <p:nvPr/>
           </p:nvPicPr>
           <p:blipFill>
-            <a:blip r:embed="rId13">
+            <a:blip r:embed="rId14">
               <a:extLst>
                 <a:ext uri="{28A0092B-C50C-407E-A947-70E740481C1C}">
                   <a14:useLocalDpi xmlns:a14="http://schemas.microsoft.com/office/drawing/2010/main" val="0"/>
@@ -20681,7 +20854,7 @@
             <p:nvPr/>
           </p:nvPicPr>
           <p:blipFill>
-            <a:blip r:embed="rId14">
+            <a:blip r:embed="rId15">
               <a:duotone>
                 <a:schemeClr val="accent1">
                   <a:shade val="45000"/>
@@ -20719,7 +20892,7 @@
             <p:nvPr/>
           </p:nvPicPr>
           <p:blipFill>
-            <a:blip r:embed="rId15">
+            <a:blip r:embed="rId16">
               <a:duotone>
                 <a:schemeClr val="accent1">
                   <a:shade val="45000"/>
@@ -20757,7 +20930,7 @@
             <p:nvPr/>
           </p:nvPicPr>
           <p:blipFill>
-            <a:blip r:embed="rId16">
+            <a:blip r:embed="rId17">
               <a:duotone>
                 <a:schemeClr val="accent1">
                   <a:shade val="45000"/>
@@ -20795,7 +20968,7 @@
             <p:nvPr/>
           </p:nvPicPr>
           <p:blipFill>
-            <a:blip r:embed="rId17">
+            <a:blip r:embed="rId18">
               <a:duotone>
                 <a:schemeClr val="accent1">
                   <a:shade val="45000"/>
@@ -20833,7 +21006,7 @@
             <p:nvPr/>
           </p:nvPicPr>
           <p:blipFill>
-            <a:blip r:embed="rId18">
+            <a:blip r:embed="rId19">
               <a:duotone>
                 <a:schemeClr val="accent1">
                   <a:shade val="45000"/>
@@ -20871,7 +21044,7 @@
             <p:nvPr/>
           </p:nvPicPr>
           <p:blipFill>
-            <a:blip r:embed="rId19"/>
+            <a:blip r:embed="rId20"/>
             <a:stretch>
               <a:fillRect/>
             </a:stretch>
@@ -21194,456 +21367,6 @@
       </p:grpSp>
       <p:grpSp>
         <p:nvGrpSpPr>
-          <p:cNvPr id="165" name="Group 164">
-            <a:extLst>
-              <a:ext uri="{FF2B5EF4-FFF2-40B4-BE49-F238E27FC236}">
-                <a16:creationId xmlns:a16="http://schemas.microsoft.com/office/drawing/2014/main" id="{C72B5758-A200-BDEE-6E4D-28BBF11E4701}"/>
-              </a:ext>
-            </a:extLst>
-          </p:cNvPr>
-          <p:cNvGrpSpPr/>
-          <p:nvPr/>
-        </p:nvGrpSpPr>
-        <p:grpSpPr>
-          <a:xfrm>
-            <a:off x="6242948" y="3967334"/>
-            <a:ext cx="2567446" cy="2456789"/>
-            <a:chOff x="5689096" y="4205560"/>
-            <a:chExt cx="2567446" cy="2456789"/>
-          </a:xfrm>
-        </p:grpSpPr>
-        <p:sp>
-          <p:nvSpPr>
-            <p:cNvPr id="161" name="Rectangle: Rounded Corners 160">
-              <a:extLst>
-                <a:ext uri="{FF2B5EF4-FFF2-40B4-BE49-F238E27FC236}">
-                  <a16:creationId xmlns:a16="http://schemas.microsoft.com/office/drawing/2014/main" id="{295D7CC3-D3DE-C292-DFD9-3E5C8B79C8A7}"/>
-                </a:ext>
-              </a:extLst>
-            </p:cNvPr>
-            <p:cNvSpPr>
-              <a:spLocks/>
-            </p:cNvSpPr>
-            <p:nvPr/>
-          </p:nvSpPr>
-          <p:spPr>
-            <a:xfrm>
-              <a:off x="5689096" y="4205560"/>
-              <a:ext cx="2464744" cy="2456789"/>
-            </a:xfrm>
-            <a:prstGeom prst="roundRect">
-              <a:avLst>
-                <a:gd name="adj" fmla="val 6503"/>
-              </a:avLst>
-            </a:prstGeom>
-            <a:solidFill>
-              <a:srgbClr val="F1FFE8">
-                <a:alpha val="69804"/>
-              </a:srgbClr>
-            </a:solidFill>
-            <a:ln w="19050">
-              <a:solidFill>
-                <a:srgbClr val="FF0000"/>
-              </a:solidFill>
-              <a:prstDash val="lgDash"/>
-            </a:ln>
-          </p:spPr>
-          <p:style>
-            <a:lnRef idx="2">
-              <a:schemeClr val="accent1">
-                <a:shade val="15000"/>
-              </a:schemeClr>
-            </a:lnRef>
-            <a:fillRef idx="1">
-              <a:schemeClr val="accent1"/>
-            </a:fillRef>
-            <a:effectRef idx="0">
-              <a:schemeClr val="accent1"/>
-            </a:effectRef>
-            <a:fontRef idx="minor">
-              <a:schemeClr val="lt1"/>
-            </a:fontRef>
-          </p:style>
-          <p:txBody>
-            <a:bodyPr rtlCol="0" anchor="ctr"/>
-            <a:lstStyle/>
-            <a:p>
-              <a:pPr algn="ctr"/>
-              <a:endParaRPr lang="en-US"/>
-            </a:p>
-          </p:txBody>
-        </p:sp>
-        <p:sp>
-          <p:nvSpPr>
-            <p:cNvPr id="73" name="Rectangle 72">
-              <a:extLst>
-                <a:ext uri="{FF2B5EF4-FFF2-40B4-BE49-F238E27FC236}">
-                  <a16:creationId xmlns:a16="http://schemas.microsoft.com/office/drawing/2014/main" id="{929D9073-8211-E1B9-2085-DFB29BA94249}"/>
-                </a:ext>
-              </a:extLst>
-            </p:cNvPr>
-            <p:cNvSpPr/>
-            <p:nvPr/>
-          </p:nvSpPr>
-          <p:spPr>
-            <a:xfrm>
-              <a:off x="6358714" y="4297156"/>
-              <a:ext cx="1490934" cy="368236"/>
-            </a:xfrm>
-            <a:prstGeom prst="rect">
-              <a:avLst/>
-            </a:prstGeom>
-            <a:noFill/>
-            <a:ln>
-              <a:noFill/>
-            </a:ln>
-          </p:spPr>
-          <p:style>
-            <a:lnRef idx="2">
-              <a:schemeClr val="accent1">
-                <a:shade val="15000"/>
-              </a:schemeClr>
-            </a:lnRef>
-            <a:fillRef idx="1">
-              <a:schemeClr val="accent1"/>
-            </a:fillRef>
-            <a:effectRef idx="0">
-              <a:schemeClr val="accent1"/>
-            </a:effectRef>
-            <a:fontRef idx="minor">
-              <a:schemeClr val="lt1"/>
-            </a:fontRef>
-          </p:style>
-          <p:txBody>
-            <a:bodyPr rtlCol="0" anchor="ctr"/>
-            <a:lstStyle/>
-            <a:p>
-              <a:r>
-                <a:rPr lang="en-US" sz="1400" b="1" dirty="0">
-                  <a:solidFill>
-                    <a:srgbClr val="51247A"/>
-                  </a:solidFill>
-                </a:rPr>
-                <a:t>Framework</a:t>
-              </a:r>
-            </a:p>
-          </p:txBody>
-        </p:sp>
-        <p:pic>
-          <p:nvPicPr>
-            <p:cNvPr id="118" name="Picture 117" descr="A computer and a diagram&#10;&#10;AI-generated content may be incorrect.">
-              <a:extLst>
-                <a:ext uri="{FF2B5EF4-FFF2-40B4-BE49-F238E27FC236}">
-                  <a16:creationId xmlns:a16="http://schemas.microsoft.com/office/drawing/2014/main" id="{1EE5CB7A-3864-27B4-1430-0F21C3728167}"/>
-                </a:ext>
-              </a:extLst>
-            </p:cNvPr>
-            <p:cNvPicPr>
-              <a:picLocks noChangeAspect="1"/>
-            </p:cNvPicPr>
-            <p:nvPr/>
-          </p:nvPicPr>
-          <p:blipFill>
-            <a:blip r:embed="rId20"/>
-            <a:stretch>
-              <a:fillRect/>
-            </a:stretch>
-          </p:blipFill>
-          <p:spPr>
-            <a:xfrm>
-              <a:off x="5806757" y="4238556"/>
-              <a:ext cx="528826" cy="528826"/>
-            </a:xfrm>
-            <a:prstGeom prst="rect">
-              <a:avLst/>
-            </a:prstGeom>
-          </p:spPr>
-        </p:pic>
-        <p:pic>
-          <p:nvPicPr>
-            <p:cNvPr id="134" name="Picture 133" descr="A house with a crack in the ground&#10;&#10;AI-generated content may be incorrect.">
-              <a:extLst>
-                <a:ext uri="{FF2B5EF4-FFF2-40B4-BE49-F238E27FC236}">
-                  <a16:creationId xmlns:a16="http://schemas.microsoft.com/office/drawing/2014/main" id="{DD5D37EC-DC4B-A879-EB15-EF98EF33E2F9}"/>
-                </a:ext>
-              </a:extLst>
-            </p:cNvPr>
-            <p:cNvPicPr>
-              <a:picLocks noChangeAspect="1"/>
-            </p:cNvPicPr>
-            <p:nvPr/>
-          </p:nvPicPr>
-          <p:blipFill>
-            <a:blip r:embed="rId21">
-              <a:duotone>
-                <a:schemeClr val="accent1">
-                  <a:shade val="45000"/>
-                  <a:satMod val="135000"/>
-                </a:schemeClr>
-                <a:prstClr val="white"/>
-              </a:duotone>
-            </a:blip>
-            <a:stretch>
-              <a:fillRect/>
-            </a:stretch>
-          </p:blipFill>
-          <p:spPr>
-            <a:xfrm>
-              <a:off x="5898831" y="5760953"/>
-              <a:ext cx="269975" cy="269975"/>
-            </a:xfrm>
-            <a:prstGeom prst="rect">
-              <a:avLst/>
-            </a:prstGeom>
-          </p:spPr>
-        </p:pic>
-        <p:pic>
-          <p:nvPicPr>
-            <p:cNvPr id="135" name="Picture 134" descr="A blue square with a black line&#10;&#10;AI-generated content may be incorrect.">
-              <a:extLst>
-                <a:ext uri="{FF2B5EF4-FFF2-40B4-BE49-F238E27FC236}">
-                  <a16:creationId xmlns:a16="http://schemas.microsoft.com/office/drawing/2014/main" id="{23D8B190-3D72-3C53-9947-23C9A5532352}"/>
-                </a:ext>
-              </a:extLst>
-            </p:cNvPr>
-            <p:cNvPicPr>
-              <a:picLocks noChangeAspect="1"/>
-            </p:cNvPicPr>
-            <p:nvPr/>
-          </p:nvPicPr>
-          <p:blipFill>
-            <a:blip r:embed="rId22">
-              <a:duotone>
-                <a:schemeClr val="accent1">
-                  <a:shade val="45000"/>
-                  <a:satMod val="135000"/>
-                </a:schemeClr>
-                <a:prstClr val="white"/>
-              </a:duotone>
-            </a:blip>
-            <a:stretch>
-              <a:fillRect/>
-            </a:stretch>
-          </p:blipFill>
-          <p:spPr>
-            <a:xfrm>
-              <a:off x="5898831" y="4776048"/>
-              <a:ext cx="274321" cy="274321"/>
-            </a:xfrm>
-            <a:prstGeom prst="rect">
-              <a:avLst/>
-            </a:prstGeom>
-          </p:spPr>
-        </p:pic>
-        <p:pic>
-          <p:nvPicPr>
-            <p:cNvPr id="136" name="Picture 135" descr="A blue eye with black background&#10;&#10;AI-generated content may be incorrect.">
-              <a:extLst>
-                <a:ext uri="{FF2B5EF4-FFF2-40B4-BE49-F238E27FC236}">
-                  <a16:creationId xmlns:a16="http://schemas.microsoft.com/office/drawing/2014/main" id="{FF64B146-71B9-4084-CD23-6A880D043A43}"/>
-                </a:ext>
-              </a:extLst>
-            </p:cNvPr>
-            <p:cNvPicPr>
-              <a:picLocks noChangeAspect="1"/>
-            </p:cNvPicPr>
-            <p:nvPr/>
-          </p:nvPicPr>
-          <p:blipFill>
-            <a:blip r:embed="rId23">
-              <a:duotone>
-                <a:schemeClr val="accent1">
-                  <a:shade val="45000"/>
-                  <a:satMod val="135000"/>
-                </a:schemeClr>
-                <a:prstClr val="white"/>
-              </a:duotone>
-            </a:blip>
-            <a:stretch>
-              <a:fillRect/>
-            </a:stretch>
-          </p:blipFill>
-          <p:spPr>
-            <a:xfrm>
-              <a:off x="5898831" y="5268501"/>
-              <a:ext cx="274321" cy="274321"/>
-            </a:xfrm>
-            <a:prstGeom prst="rect">
-              <a:avLst/>
-            </a:prstGeom>
-          </p:spPr>
-        </p:pic>
-        <p:sp>
-          <p:nvSpPr>
-            <p:cNvPr id="137" name="Rectangle 136">
-              <a:extLst>
-                <a:ext uri="{FF2B5EF4-FFF2-40B4-BE49-F238E27FC236}">
-                  <a16:creationId xmlns:a16="http://schemas.microsoft.com/office/drawing/2014/main" id="{CCD2B4A1-E324-217A-0DDD-BA3134C2DED2}"/>
-                </a:ext>
-              </a:extLst>
-            </p:cNvPr>
-            <p:cNvSpPr/>
-            <p:nvPr/>
-          </p:nvSpPr>
-          <p:spPr>
-            <a:xfrm>
-              <a:off x="6332556" y="4729090"/>
-              <a:ext cx="1923986" cy="368236"/>
-            </a:xfrm>
-            <a:prstGeom prst="rect">
-              <a:avLst/>
-            </a:prstGeom>
-            <a:noFill/>
-            <a:ln>
-              <a:noFill/>
-            </a:ln>
-          </p:spPr>
-          <p:style>
-            <a:lnRef idx="2">
-              <a:schemeClr val="accent1">
-                <a:shade val="15000"/>
-              </a:schemeClr>
-            </a:lnRef>
-            <a:fillRef idx="1">
-              <a:schemeClr val="accent1"/>
-            </a:fillRef>
-            <a:effectRef idx="0">
-              <a:schemeClr val="accent1"/>
-            </a:effectRef>
-            <a:fontRef idx="minor">
-              <a:schemeClr val="lt1"/>
-            </a:fontRef>
-          </p:style>
-          <p:txBody>
-            <a:bodyPr rtlCol="0" anchor="ctr"/>
-            <a:lstStyle/>
-            <a:p>
-              <a:r>
-                <a:rPr lang="en-US" sz="1400" dirty="0">
-                  <a:solidFill>
-                    <a:srgbClr val="51247A"/>
-                  </a:solidFill>
-                </a:rPr>
-                <a:t>measurement</a:t>
-              </a:r>
-            </a:p>
-          </p:txBody>
-        </p:sp>
-        <p:sp>
-          <p:nvSpPr>
-            <p:cNvPr id="138" name="Rectangle 137">
-              <a:extLst>
-                <a:ext uri="{FF2B5EF4-FFF2-40B4-BE49-F238E27FC236}">
-                  <a16:creationId xmlns:a16="http://schemas.microsoft.com/office/drawing/2014/main" id="{8FDA6D98-E579-7C20-F3EA-B5745349DF9F}"/>
-                </a:ext>
-              </a:extLst>
-            </p:cNvPr>
-            <p:cNvSpPr/>
-            <p:nvPr/>
-          </p:nvSpPr>
-          <p:spPr>
-            <a:xfrm>
-              <a:off x="6332556" y="5220456"/>
-              <a:ext cx="1821284" cy="368236"/>
-            </a:xfrm>
-            <a:prstGeom prst="rect">
-              <a:avLst/>
-            </a:prstGeom>
-            <a:noFill/>
-            <a:ln>
-              <a:noFill/>
-            </a:ln>
-          </p:spPr>
-          <p:style>
-            <a:lnRef idx="2">
-              <a:schemeClr val="accent1">
-                <a:shade val="15000"/>
-              </a:schemeClr>
-            </a:lnRef>
-            <a:fillRef idx="1">
-              <a:schemeClr val="accent1"/>
-            </a:fillRef>
-            <a:effectRef idx="0">
-              <a:schemeClr val="accent1"/>
-            </a:effectRef>
-            <a:fontRef idx="minor">
-              <a:schemeClr val="lt1"/>
-            </a:fontRef>
-          </p:style>
-          <p:txBody>
-            <a:bodyPr rtlCol="0" anchor="ctr"/>
-            <a:lstStyle/>
-            <a:p>
-              <a:r>
-                <a:rPr lang="en-US" sz="1400" dirty="0">
-                  <a:solidFill>
-                    <a:srgbClr val="51247A"/>
-                  </a:solidFill>
-                </a:rPr>
-                <a:t>system identification</a:t>
-              </a:r>
-            </a:p>
-          </p:txBody>
-        </p:sp>
-        <p:sp>
-          <p:nvSpPr>
-            <p:cNvPr id="139" name="Rectangle 138">
-              <a:extLst>
-                <a:ext uri="{FF2B5EF4-FFF2-40B4-BE49-F238E27FC236}">
-                  <a16:creationId xmlns:a16="http://schemas.microsoft.com/office/drawing/2014/main" id="{93CC9904-A57A-0B53-FCA2-FA9D6CCBA14D}"/>
-                </a:ext>
-              </a:extLst>
-            </p:cNvPr>
-            <p:cNvSpPr/>
-            <p:nvPr/>
-          </p:nvSpPr>
-          <p:spPr>
-            <a:xfrm>
-              <a:off x="6332556" y="5711822"/>
-              <a:ext cx="1821284" cy="368236"/>
-            </a:xfrm>
-            <a:prstGeom prst="rect">
-              <a:avLst/>
-            </a:prstGeom>
-            <a:noFill/>
-            <a:ln>
-              <a:noFill/>
-            </a:ln>
-          </p:spPr>
-          <p:style>
-            <a:lnRef idx="2">
-              <a:schemeClr val="accent1">
-                <a:shade val="15000"/>
-              </a:schemeClr>
-            </a:lnRef>
-            <a:fillRef idx="1">
-              <a:schemeClr val="accent1"/>
-            </a:fillRef>
-            <a:effectRef idx="0">
-              <a:schemeClr val="accent1"/>
-            </a:effectRef>
-            <a:fontRef idx="minor">
-              <a:schemeClr val="lt1"/>
-            </a:fontRef>
-          </p:style>
-          <p:txBody>
-            <a:bodyPr rtlCol="0" anchor="ctr"/>
-            <a:lstStyle/>
-            <a:p>
-              <a:r>
-                <a:rPr lang="en-US" sz="1400" dirty="0">
-                  <a:solidFill>
-                    <a:srgbClr val="51247A"/>
-                  </a:solidFill>
-                </a:rPr>
-                <a:t>damage assessment</a:t>
-              </a:r>
-            </a:p>
-          </p:txBody>
-        </p:sp>
-      </p:grpSp>
-      <p:grpSp>
-        <p:nvGrpSpPr>
           <p:cNvPr id="166" name="Group 165">
             <a:extLst>
               <a:ext uri="{FF2B5EF4-FFF2-40B4-BE49-F238E27FC236}">
@@ -21796,7 +21519,7 @@
             <p:nvPr/>
           </p:nvPicPr>
           <p:blipFill>
-            <a:blip r:embed="rId24"/>
+            <a:blip r:embed="rId21"/>
             <a:stretch>
               <a:fillRect/>
             </a:stretch>
@@ -21826,7 +21549,7 @@
             <p:nvPr/>
           </p:nvPicPr>
           <p:blipFill>
-            <a:blip r:embed="rId25">
+            <a:blip r:embed="rId22">
               <a:duotone>
                 <a:schemeClr val="accent1">
                   <a:shade val="45000"/>
@@ -21864,7 +21587,7 @@
             <p:nvPr/>
           </p:nvPicPr>
           <p:blipFill>
-            <a:blip r:embed="rId26">
+            <a:blip r:embed="rId23">
               <a:duotone>
                 <a:schemeClr val="accent1">
                   <a:shade val="45000"/>
@@ -21902,7 +21625,7 @@
             <p:nvPr/>
           </p:nvPicPr>
           <p:blipFill>
-            <a:blip r:embed="rId21">
+            <a:blip r:embed="rId24">
               <a:duotone>
                 <a:schemeClr val="accent1">
                   <a:shade val="45000"/>
@@ -22243,7 +21966,7 @@
             <p:nvPr/>
           </p:nvPicPr>
           <p:blipFill>
-            <a:blip r:embed="rId27">
+            <a:blip r:embed="rId25">
               <a:duotone>
                 <a:schemeClr val="accent1">
                   <a:shade val="45000"/>
@@ -22281,7 +22004,7 @@
             <p:nvPr/>
           </p:nvPicPr>
           <p:blipFill>
-            <a:blip r:embed="rId28">
+            <a:blip r:embed="rId26">
               <a:duotone>
                 <a:schemeClr val="accent1">
                   <a:shade val="45000"/>
@@ -22319,7 +22042,7 @@
             <p:nvPr/>
           </p:nvPicPr>
           <p:blipFill>
-            <a:blip r:embed="rId29"/>
+            <a:blip r:embed="rId27"/>
             <a:stretch>
               <a:fillRect/>
             </a:stretch>
@@ -22535,7 +22258,7 @@
             <p:nvPr/>
           </p:nvPicPr>
           <p:blipFill>
-            <a:blip r:embed="rId30">
+            <a:blip r:embed="rId28">
               <a:duotone>
                 <a:schemeClr val="accent1">
                   <a:shade val="45000"/>
@@ -22634,7 +22357,7 @@
             <p:nvPr/>
           </p:nvPicPr>
           <p:blipFill>
-            <a:blip r:embed="rId31">
+            <a:blip r:embed="rId29">
               <a:duotone>
                 <a:schemeClr val="accent1">
                   <a:shade val="45000"/>
@@ -22926,6 +22649,555 @@
           </a:fontRef>
         </p:style>
       </p:cxnSp>
+      <p:grpSp>
+        <p:nvGrpSpPr>
+          <p:cNvPr id="5" name="Group 4">
+            <a:extLst>
+              <a:ext uri="{FF2B5EF4-FFF2-40B4-BE49-F238E27FC236}">
+                <a16:creationId xmlns:a16="http://schemas.microsoft.com/office/drawing/2014/main" id="{7777C404-9F3B-3530-8D15-F2C376FEFCA3}"/>
+              </a:ext>
+            </a:extLst>
+          </p:cNvPr>
+          <p:cNvGrpSpPr/>
+          <p:nvPr/>
+        </p:nvGrpSpPr>
+        <p:grpSpPr>
+          <a:xfrm>
+            <a:off x="6242948" y="3967334"/>
+            <a:ext cx="2567446" cy="2456789"/>
+            <a:chOff x="6242948" y="3967334"/>
+            <a:chExt cx="2567446" cy="2456789"/>
+          </a:xfrm>
+        </p:grpSpPr>
+        <p:sp>
+          <p:nvSpPr>
+            <p:cNvPr id="161" name="Rectangle: Rounded Corners 160">
+              <a:extLst>
+                <a:ext uri="{FF2B5EF4-FFF2-40B4-BE49-F238E27FC236}">
+                  <a16:creationId xmlns:a16="http://schemas.microsoft.com/office/drawing/2014/main" id="{295D7CC3-D3DE-C292-DFD9-3E5C8B79C8A7}"/>
+                </a:ext>
+              </a:extLst>
+            </p:cNvPr>
+            <p:cNvSpPr>
+              <a:spLocks/>
+            </p:cNvSpPr>
+            <p:nvPr/>
+          </p:nvSpPr>
+          <p:spPr>
+            <a:xfrm>
+              <a:off x="6242948" y="3967334"/>
+              <a:ext cx="2464744" cy="2456789"/>
+            </a:xfrm>
+            <a:prstGeom prst="roundRect">
+              <a:avLst>
+                <a:gd name="adj" fmla="val 6503"/>
+              </a:avLst>
+            </a:prstGeom>
+            <a:solidFill>
+              <a:srgbClr val="F1FFE8">
+                <a:alpha val="69804"/>
+              </a:srgbClr>
+            </a:solidFill>
+            <a:ln w="19050">
+              <a:solidFill>
+                <a:srgbClr val="FF0000"/>
+              </a:solidFill>
+              <a:prstDash val="lgDash"/>
+            </a:ln>
+          </p:spPr>
+          <p:style>
+            <a:lnRef idx="2">
+              <a:schemeClr val="accent1">
+                <a:shade val="15000"/>
+              </a:schemeClr>
+            </a:lnRef>
+            <a:fillRef idx="1">
+              <a:schemeClr val="accent1"/>
+            </a:fillRef>
+            <a:effectRef idx="0">
+              <a:schemeClr val="accent1"/>
+            </a:effectRef>
+            <a:fontRef idx="minor">
+              <a:schemeClr val="lt1"/>
+            </a:fontRef>
+          </p:style>
+          <p:txBody>
+            <a:bodyPr rtlCol="0" anchor="ctr"/>
+            <a:lstStyle/>
+            <a:p>
+              <a:pPr algn="ctr"/>
+              <a:endParaRPr lang="en-US"/>
+            </a:p>
+          </p:txBody>
+        </p:sp>
+        <p:sp>
+          <p:nvSpPr>
+            <p:cNvPr id="73" name="Rectangle 72">
+              <a:extLst>
+                <a:ext uri="{FF2B5EF4-FFF2-40B4-BE49-F238E27FC236}">
+                  <a16:creationId xmlns:a16="http://schemas.microsoft.com/office/drawing/2014/main" id="{929D9073-8211-E1B9-2085-DFB29BA94249}"/>
+                </a:ext>
+              </a:extLst>
+            </p:cNvPr>
+            <p:cNvSpPr/>
+            <p:nvPr/>
+          </p:nvSpPr>
+          <p:spPr>
+            <a:xfrm>
+              <a:off x="6912566" y="4058930"/>
+              <a:ext cx="1490934" cy="368236"/>
+            </a:xfrm>
+            <a:prstGeom prst="rect">
+              <a:avLst/>
+            </a:prstGeom>
+            <a:noFill/>
+            <a:ln>
+              <a:noFill/>
+            </a:ln>
+          </p:spPr>
+          <p:style>
+            <a:lnRef idx="2">
+              <a:schemeClr val="accent1">
+                <a:shade val="15000"/>
+              </a:schemeClr>
+            </a:lnRef>
+            <a:fillRef idx="1">
+              <a:schemeClr val="accent1"/>
+            </a:fillRef>
+            <a:effectRef idx="0">
+              <a:schemeClr val="accent1"/>
+            </a:effectRef>
+            <a:fontRef idx="minor">
+              <a:schemeClr val="lt1"/>
+            </a:fontRef>
+          </p:style>
+          <p:txBody>
+            <a:bodyPr rtlCol="0" anchor="ctr"/>
+            <a:lstStyle/>
+            <a:p>
+              <a:r>
+                <a:rPr lang="en-US" sz="1400" b="1" dirty="0">
+                  <a:solidFill>
+                    <a:srgbClr val="51247A"/>
+                  </a:solidFill>
+                </a:rPr>
+                <a:t>Framework</a:t>
+              </a:r>
+            </a:p>
+          </p:txBody>
+        </p:sp>
+        <p:pic>
+          <p:nvPicPr>
+            <p:cNvPr id="118" name="Picture 117" descr="A computer and a diagram&#10;&#10;AI-generated content may be incorrect.">
+              <a:extLst>
+                <a:ext uri="{FF2B5EF4-FFF2-40B4-BE49-F238E27FC236}">
+                  <a16:creationId xmlns:a16="http://schemas.microsoft.com/office/drawing/2014/main" id="{1EE5CB7A-3864-27B4-1430-0F21C3728167}"/>
+                </a:ext>
+              </a:extLst>
+            </p:cNvPr>
+            <p:cNvPicPr>
+              <a:picLocks noChangeAspect="1"/>
+            </p:cNvPicPr>
+            <p:nvPr/>
+          </p:nvPicPr>
+          <p:blipFill>
+            <a:blip r:embed="rId30"/>
+            <a:stretch>
+              <a:fillRect/>
+            </a:stretch>
+          </p:blipFill>
+          <p:spPr>
+            <a:xfrm>
+              <a:off x="6360609" y="4000330"/>
+              <a:ext cx="528826" cy="528826"/>
+            </a:xfrm>
+            <a:prstGeom prst="rect">
+              <a:avLst/>
+            </a:prstGeom>
+          </p:spPr>
+        </p:pic>
+        <p:pic>
+          <p:nvPicPr>
+            <p:cNvPr id="134" name="Picture 133" descr="A house with a crack in the ground&#10;&#10;AI-generated content may be incorrect.">
+              <a:extLst>
+                <a:ext uri="{FF2B5EF4-FFF2-40B4-BE49-F238E27FC236}">
+                  <a16:creationId xmlns:a16="http://schemas.microsoft.com/office/drawing/2014/main" id="{DD5D37EC-DC4B-A879-EB15-EF98EF33E2F9}"/>
+                </a:ext>
+              </a:extLst>
+            </p:cNvPr>
+            <p:cNvPicPr>
+              <a:picLocks noChangeAspect="1"/>
+            </p:cNvPicPr>
+            <p:nvPr/>
+          </p:nvPicPr>
+          <p:blipFill>
+            <a:blip r:embed="rId24">
+              <a:duotone>
+                <a:schemeClr val="accent1">
+                  <a:shade val="45000"/>
+                  <a:satMod val="135000"/>
+                </a:schemeClr>
+                <a:prstClr val="white"/>
+              </a:duotone>
+            </a:blip>
+            <a:stretch>
+              <a:fillRect/>
+            </a:stretch>
+          </p:blipFill>
+          <p:spPr>
+            <a:xfrm>
+              <a:off x="6452683" y="6066267"/>
+              <a:ext cx="269975" cy="269975"/>
+            </a:xfrm>
+            <a:prstGeom prst="rect">
+              <a:avLst/>
+            </a:prstGeom>
+          </p:spPr>
+        </p:pic>
+        <p:pic>
+          <p:nvPicPr>
+            <p:cNvPr id="135" name="Picture 134" descr="A blue square with a black line&#10;&#10;AI-generated content may be incorrect.">
+              <a:extLst>
+                <a:ext uri="{FF2B5EF4-FFF2-40B4-BE49-F238E27FC236}">
+                  <a16:creationId xmlns:a16="http://schemas.microsoft.com/office/drawing/2014/main" id="{23D8B190-3D72-3C53-9947-23C9A5532352}"/>
+                </a:ext>
+              </a:extLst>
+            </p:cNvPr>
+            <p:cNvPicPr>
+              <a:picLocks noChangeAspect="1"/>
+            </p:cNvPicPr>
+            <p:nvPr/>
+          </p:nvPicPr>
+          <p:blipFill>
+            <a:blip r:embed="rId31">
+              <a:duotone>
+                <a:schemeClr val="accent1">
+                  <a:shade val="45000"/>
+                  <a:satMod val="135000"/>
+                </a:schemeClr>
+                <a:prstClr val="white"/>
+              </a:duotone>
+            </a:blip>
+            <a:stretch>
+              <a:fillRect/>
+            </a:stretch>
+          </p:blipFill>
+          <p:spPr>
+            <a:xfrm>
+              <a:off x="6452683" y="5081362"/>
+              <a:ext cx="274321" cy="274321"/>
+            </a:xfrm>
+            <a:prstGeom prst="rect">
+              <a:avLst/>
+            </a:prstGeom>
+          </p:spPr>
+        </p:pic>
+        <p:pic>
+          <p:nvPicPr>
+            <p:cNvPr id="136" name="Picture 135" descr="A blue eye with black background&#10;&#10;AI-generated content may be incorrect.">
+              <a:extLst>
+                <a:ext uri="{FF2B5EF4-FFF2-40B4-BE49-F238E27FC236}">
+                  <a16:creationId xmlns:a16="http://schemas.microsoft.com/office/drawing/2014/main" id="{FF64B146-71B9-4084-CD23-6A880D043A43}"/>
+                </a:ext>
+              </a:extLst>
+            </p:cNvPr>
+            <p:cNvPicPr>
+              <a:picLocks noChangeAspect="1"/>
+            </p:cNvPicPr>
+            <p:nvPr/>
+          </p:nvPicPr>
+          <p:blipFill>
+            <a:blip r:embed="rId32">
+              <a:duotone>
+                <a:schemeClr val="accent1">
+                  <a:shade val="45000"/>
+                  <a:satMod val="135000"/>
+                </a:schemeClr>
+                <a:prstClr val="white"/>
+              </a:duotone>
+            </a:blip>
+            <a:stretch>
+              <a:fillRect/>
+            </a:stretch>
+          </p:blipFill>
+          <p:spPr>
+            <a:xfrm>
+              <a:off x="6452683" y="5573815"/>
+              <a:ext cx="274321" cy="274321"/>
+            </a:xfrm>
+            <a:prstGeom prst="rect">
+              <a:avLst/>
+            </a:prstGeom>
+          </p:spPr>
+        </p:pic>
+        <p:sp>
+          <p:nvSpPr>
+            <p:cNvPr id="137" name="Rectangle 136">
+              <a:extLst>
+                <a:ext uri="{FF2B5EF4-FFF2-40B4-BE49-F238E27FC236}">
+                  <a16:creationId xmlns:a16="http://schemas.microsoft.com/office/drawing/2014/main" id="{CCD2B4A1-E324-217A-0DDD-BA3134C2DED2}"/>
+                </a:ext>
+              </a:extLst>
+            </p:cNvPr>
+            <p:cNvSpPr/>
+            <p:nvPr/>
+          </p:nvSpPr>
+          <p:spPr>
+            <a:xfrm>
+              <a:off x="6886408" y="5034404"/>
+              <a:ext cx="1923986" cy="368236"/>
+            </a:xfrm>
+            <a:prstGeom prst="rect">
+              <a:avLst/>
+            </a:prstGeom>
+            <a:noFill/>
+            <a:ln>
+              <a:noFill/>
+            </a:ln>
+          </p:spPr>
+          <p:style>
+            <a:lnRef idx="2">
+              <a:schemeClr val="accent1">
+                <a:shade val="15000"/>
+              </a:schemeClr>
+            </a:lnRef>
+            <a:fillRef idx="1">
+              <a:schemeClr val="accent1"/>
+            </a:fillRef>
+            <a:effectRef idx="0">
+              <a:schemeClr val="accent1"/>
+            </a:effectRef>
+            <a:fontRef idx="minor">
+              <a:schemeClr val="lt1"/>
+            </a:fontRef>
+          </p:style>
+          <p:txBody>
+            <a:bodyPr rtlCol="0" anchor="ctr"/>
+            <a:lstStyle/>
+            <a:p>
+              <a:r>
+                <a:rPr lang="en-US" sz="1400" dirty="0">
+                  <a:solidFill>
+                    <a:srgbClr val="51247A"/>
+                  </a:solidFill>
+                </a:rPr>
+                <a:t>measurement</a:t>
+              </a:r>
+            </a:p>
+          </p:txBody>
+        </p:sp>
+        <p:sp>
+          <p:nvSpPr>
+            <p:cNvPr id="138" name="Rectangle 137">
+              <a:extLst>
+                <a:ext uri="{FF2B5EF4-FFF2-40B4-BE49-F238E27FC236}">
+                  <a16:creationId xmlns:a16="http://schemas.microsoft.com/office/drawing/2014/main" id="{8FDA6D98-E579-7C20-F3EA-B5745349DF9F}"/>
+                </a:ext>
+              </a:extLst>
+            </p:cNvPr>
+            <p:cNvSpPr/>
+            <p:nvPr/>
+          </p:nvSpPr>
+          <p:spPr>
+            <a:xfrm>
+              <a:off x="6886408" y="5525770"/>
+              <a:ext cx="1821284" cy="368236"/>
+            </a:xfrm>
+            <a:prstGeom prst="rect">
+              <a:avLst/>
+            </a:prstGeom>
+            <a:noFill/>
+            <a:ln>
+              <a:noFill/>
+            </a:ln>
+          </p:spPr>
+          <p:style>
+            <a:lnRef idx="2">
+              <a:schemeClr val="accent1">
+                <a:shade val="15000"/>
+              </a:schemeClr>
+            </a:lnRef>
+            <a:fillRef idx="1">
+              <a:schemeClr val="accent1"/>
+            </a:fillRef>
+            <a:effectRef idx="0">
+              <a:schemeClr val="accent1"/>
+            </a:effectRef>
+            <a:fontRef idx="minor">
+              <a:schemeClr val="lt1"/>
+            </a:fontRef>
+          </p:style>
+          <p:txBody>
+            <a:bodyPr rtlCol="0" anchor="ctr"/>
+            <a:lstStyle/>
+            <a:p>
+              <a:r>
+                <a:rPr lang="en-US" sz="1400" dirty="0">
+                  <a:solidFill>
+                    <a:srgbClr val="51247A"/>
+                  </a:solidFill>
+                </a:rPr>
+                <a:t>system identification</a:t>
+              </a:r>
+            </a:p>
+          </p:txBody>
+        </p:sp>
+        <p:sp>
+          <p:nvSpPr>
+            <p:cNvPr id="139" name="Rectangle 138">
+              <a:extLst>
+                <a:ext uri="{FF2B5EF4-FFF2-40B4-BE49-F238E27FC236}">
+                  <a16:creationId xmlns:a16="http://schemas.microsoft.com/office/drawing/2014/main" id="{93CC9904-A57A-0B53-FCA2-FA9D6CCBA14D}"/>
+                </a:ext>
+              </a:extLst>
+            </p:cNvPr>
+            <p:cNvSpPr/>
+            <p:nvPr/>
+          </p:nvSpPr>
+          <p:spPr>
+            <a:xfrm>
+              <a:off x="6886408" y="6017136"/>
+              <a:ext cx="1821284" cy="368236"/>
+            </a:xfrm>
+            <a:prstGeom prst="rect">
+              <a:avLst/>
+            </a:prstGeom>
+            <a:noFill/>
+            <a:ln>
+              <a:noFill/>
+            </a:ln>
+          </p:spPr>
+          <p:style>
+            <a:lnRef idx="2">
+              <a:schemeClr val="accent1">
+                <a:shade val="15000"/>
+              </a:schemeClr>
+            </a:lnRef>
+            <a:fillRef idx="1">
+              <a:schemeClr val="accent1"/>
+            </a:fillRef>
+            <a:effectRef idx="0">
+              <a:schemeClr val="accent1"/>
+            </a:effectRef>
+            <a:fontRef idx="minor">
+              <a:schemeClr val="lt1"/>
+            </a:fontRef>
+          </p:style>
+          <p:txBody>
+            <a:bodyPr rtlCol="0" anchor="ctr"/>
+            <a:lstStyle/>
+            <a:p>
+              <a:r>
+                <a:rPr lang="en-US" sz="1400" dirty="0">
+                  <a:solidFill>
+                    <a:srgbClr val="51247A"/>
+                  </a:solidFill>
+                </a:rPr>
+                <a:t>damage assessment</a:t>
+              </a:r>
+            </a:p>
+          </p:txBody>
+        </p:sp>
+        <p:pic>
+          <p:nvPicPr>
+            <p:cNvPr id="3" name="Picture 2" descr="A blue brain with circuit board&#10;&#10;AI-generated content may be incorrect.">
+              <a:extLst>
+                <a:ext uri="{FF2B5EF4-FFF2-40B4-BE49-F238E27FC236}">
+                  <a16:creationId xmlns:a16="http://schemas.microsoft.com/office/drawing/2014/main" id="{EC0CBAFE-7DB4-905F-7E01-1BF236C9D980}"/>
+                </a:ext>
+              </a:extLst>
+            </p:cNvPr>
+            <p:cNvPicPr>
+              <a:picLocks noChangeAspect="1"/>
+            </p:cNvPicPr>
+            <p:nvPr/>
+          </p:nvPicPr>
+          <p:blipFill>
+            <a:blip r:embed="rId33">
+              <a:duotone>
+                <a:schemeClr val="accent1">
+                  <a:shade val="45000"/>
+                  <a:satMod val="135000"/>
+                </a:schemeClr>
+                <a:prstClr val="white"/>
+              </a:duotone>
+            </a:blip>
+            <a:stretch>
+              <a:fillRect/>
+            </a:stretch>
+          </p:blipFill>
+          <p:spPr>
+            <a:xfrm>
+              <a:off x="6412416" y="4562152"/>
+              <a:ext cx="350508" cy="350508"/>
+            </a:xfrm>
+            <a:prstGeom prst="rect">
+              <a:avLst/>
+            </a:prstGeom>
+          </p:spPr>
+        </p:pic>
+        <p:sp>
+          <p:nvSpPr>
+            <p:cNvPr id="4" name="Rectangle 3">
+              <a:extLst>
+                <a:ext uri="{FF2B5EF4-FFF2-40B4-BE49-F238E27FC236}">
+                  <a16:creationId xmlns:a16="http://schemas.microsoft.com/office/drawing/2014/main" id="{1A42090B-2A5F-7A51-5C1E-B9C77E4163BD}"/>
+                </a:ext>
+              </a:extLst>
+            </p:cNvPr>
+            <p:cNvSpPr/>
+            <p:nvPr/>
+          </p:nvSpPr>
+          <p:spPr>
+            <a:xfrm>
+              <a:off x="6901367" y="4529156"/>
+              <a:ext cx="1714913" cy="368236"/>
+            </a:xfrm>
+            <a:prstGeom prst="rect">
+              <a:avLst/>
+            </a:prstGeom>
+            <a:noFill/>
+            <a:ln>
+              <a:noFill/>
+            </a:ln>
+          </p:spPr>
+          <p:style>
+            <a:lnRef idx="2">
+              <a:schemeClr val="accent1">
+                <a:shade val="15000"/>
+              </a:schemeClr>
+            </a:lnRef>
+            <a:fillRef idx="1">
+              <a:schemeClr val="accent1"/>
+            </a:fillRef>
+            <a:effectRef idx="0">
+              <a:schemeClr val="accent1"/>
+            </a:effectRef>
+            <a:fontRef idx="minor">
+              <a:schemeClr val="lt1"/>
+            </a:fontRef>
+          </p:style>
+          <p:txBody>
+            <a:bodyPr rtlCol="0" anchor="ctr"/>
+            <a:lstStyle/>
+            <a:p>
+              <a:r>
+                <a:rPr lang="en-US" altLang="zh-CN" sz="1400" dirty="0">
+                  <a:solidFill>
+                    <a:srgbClr val="51247A"/>
+                  </a:solidFill>
+                </a:rPr>
+                <a:t>math, DSP, AI</a:t>
+              </a:r>
+              <a:endParaRPr lang="en-US" sz="1400" dirty="0">
+                <a:solidFill>
+                  <a:srgbClr val="51247A"/>
+                </a:solidFill>
+              </a:endParaRPr>
+            </a:p>
+          </p:txBody>
+        </p:sp>
+      </p:grpSp>
     </p:spTree>
     <p:extLst>
       <p:ext uri="{BB962C8B-B14F-4D97-AF65-F5344CB8AC3E}">
